--- a/1_Semestre/Arquitetura de Computadores/Arquitetura Arduino Temperatura.pptx
+++ b/1_Semestre/Arquitetura de Computadores/Arquitetura Arduino Temperatura.pptx
@@ -107,6 +107,11 @@
       </a:defRPr>
     </a:lvl9pPr>
   </p:defaultTextStyle>
+  <p:extLst>
+    <p:ext uri="{EFAFB233-063F-42B5-8137-9DF3F51BA10A}">
+      <p15:sldGuideLst xmlns:p15="http://schemas.microsoft.com/office/powerpoint/2012/main"/>
+    </p:ext>
+  </p:extLst>
 </p:presentation>
 </file>
 
@@ -298,7 +303,7 @@
           <a:p>
             <a:fld id="{91A57A16-5CDD-4A00-88A5-981EF2AE274B}" type="datetimeFigureOut">
               <a:rPr lang="pt-BR" smtClean="0"/>
-              <a:t>12/09/2018</a:t>
+              <a:t>20/09/2018</a:t>
             </a:fld>
             <a:endParaRPr lang="pt-BR"/>
           </a:p>
@@ -636,7 +641,7 @@
           <a:p>
             <a:fld id="{91A57A16-5CDD-4A00-88A5-981EF2AE274B}" type="datetimeFigureOut">
               <a:rPr lang="pt-BR" smtClean="0"/>
-              <a:t>12/09/2018</a:t>
+              <a:t>20/09/2018</a:t>
             </a:fld>
             <a:endParaRPr lang="pt-BR"/>
           </a:p>
@@ -1037,7 +1042,7 @@
           <a:p>
             <a:fld id="{91A57A16-5CDD-4A00-88A5-981EF2AE274B}" type="datetimeFigureOut">
               <a:rPr lang="pt-BR" smtClean="0"/>
-              <a:t>12/09/2018</a:t>
+              <a:t>20/09/2018</a:t>
             </a:fld>
             <a:endParaRPr lang="pt-BR"/>
           </a:p>
@@ -1373,7 +1378,7 @@
           <a:p>
             <a:fld id="{91A57A16-5CDD-4A00-88A5-981EF2AE274B}" type="datetimeFigureOut">
               <a:rPr lang="pt-BR" smtClean="0"/>
-              <a:t>12/09/2018</a:t>
+              <a:t>20/09/2018</a:t>
             </a:fld>
             <a:endParaRPr lang="pt-BR"/>
           </a:p>
@@ -1693,7 +1698,7 @@
           <a:p>
             <a:fld id="{91A57A16-5CDD-4A00-88A5-981EF2AE274B}" type="datetimeFigureOut">
               <a:rPr lang="pt-BR" smtClean="0"/>
-              <a:t>12/09/2018</a:t>
+              <a:t>20/09/2018</a:t>
             </a:fld>
             <a:endParaRPr lang="pt-BR"/>
           </a:p>
@@ -2089,7 +2094,7 @@
           <a:p>
             <a:fld id="{91A57A16-5CDD-4A00-88A5-981EF2AE274B}" type="datetimeFigureOut">
               <a:rPr lang="pt-BR" smtClean="0"/>
-              <a:t>12/09/2018</a:t>
+              <a:t>20/09/2018</a:t>
             </a:fld>
             <a:endParaRPr lang="pt-BR"/>
           </a:p>
@@ -2346,7 +2351,7 @@
           <a:p>
             <a:fld id="{91A57A16-5CDD-4A00-88A5-981EF2AE274B}" type="datetimeFigureOut">
               <a:rPr lang="pt-BR" smtClean="0"/>
-              <a:t>12/09/2018</a:t>
+              <a:t>20/09/2018</a:t>
             </a:fld>
             <a:endParaRPr lang="pt-BR"/>
           </a:p>
@@ -2608,7 +2613,7 @@
           <a:p>
             <a:fld id="{91A57A16-5CDD-4A00-88A5-981EF2AE274B}" type="datetimeFigureOut">
               <a:rPr lang="pt-BR" smtClean="0"/>
-              <a:t>12/09/2018</a:t>
+              <a:t>20/09/2018</a:t>
             </a:fld>
             <a:endParaRPr lang="pt-BR"/>
           </a:p>
@@ -2870,7 +2875,7 @@
           <a:p>
             <a:fld id="{91A57A16-5CDD-4A00-88A5-981EF2AE274B}" type="datetimeFigureOut">
               <a:rPr lang="pt-BR" smtClean="0"/>
-              <a:t>12/09/2018</a:t>
+              <a:t>20/09/2018</a:t>
             </a:fld>
             <a:endParaRPr lang="pt-BR"/>
           </a:p>
@@ -3199,7 +3204,7 @@
           <a:p>
             <a:fld id="{91A57A16-5CDD-4A00-88A5-981EF2AE274B}" type="datetimeFigureOut">
               <a:rPr lang="pt-BR" smtClean="0"/>
-              <a:t>12/09/2018</a:t>
+              <a:t>20/09/2018</a:t>
             </a:fld>
             <a:endParaRPr lang="pt-BR"/>
           </a:p>
@@ -3522,7 +3527,7 @@
           <a:p>
             <a:fld id="{91A57A16-5CDD-4A00-88A5-981EF2AE274B}" type="datetimeFigureOut">
               <a:rPr lang="pt-BR" smtClean="0"/>
-              <a:t>12/09/2018</a:t>
+              <a:t>20/09/2018</a:t>
             </a:fld>
             <a:endParaRPr lang="pt-BR"/>
           </a:p>
@@ -3979,7 +3984,7 @@
           <a:p>
             <a:fld id="{91A57A16-5CDD-4A00-88A5-981EF2AE274B}" type="datetimeFigureOut">
               <a:rPr lang="pt-BR" smtClean="0"/>
-              <a:t>12/09/2018</a:t>
+              <a:t>20/09/2018</a:t>
             </a:fld>
             <a:endParaRPr lang="pt-BR"/>
           </a:p>
@@ -4184,7 +4189,7 @@
           <a:p>
             <a:fld id="{91A57A16-5CDD-4A00-88A5-981EF2AE274B}" type="datetimeFigureOut">
               <a:rPr lang="pt-BR" smtClean="0"/>
-              <a:t>12/09/2018</a:t>
+              <a:t>20/09/2018</a:t>
             </a:fld>
             <a:endParaRPr lang="pt-BR"/>
           </a:p>
@@ -4361,7 +4366,7 @@
           <a:p>
             <a:fld id="{91A57A16-5CDD-4A00-88A5-981EF2AE274B}" type="datetimeFigureOut">
               <a:rPr lang="pt-BR" smtClean="0"/>
-              <a:t>12/09/2018</a:t>
+              <a:t>20/09/2018</a:t>
             </a:fld>
             <a:endParaRPr lang="pt-BR"/>
           </a:p>
@@ -4694,7 +4699,7 @@
           <a:p>
             <a:fld id="{91A57A16-5CDD-4A00-88A5-981EF2AE274B}" type="datetimeFigureOut">
               <a:rPr lang="pt-BR" smtClean="0"/>
-              <a:t>12/09/2018</a:t>
+              <a:t>20/09/2018</a:t>
             </a:fld>
             <a:endParaRPr lang="pt-BR"/>
           </a:p>
@@ -5039,7 +5044,7 @@
           <a:p>
             <a:fld id="{91A57A16-5CDD-4A00-88A5-981EF2AE274B}" type="datetimeFigureOut">
               <a:rPr lang="pt-BR" smtClean="0"/>
-              <a:t>12/09/2018</a:t>
+              <a:t>20/09/2018</a:t>
             </a:fld>
             <a:endParaRPr lang="pt-BR"/>
           </a:p>
@@ -7156,7 +7161,7 @@
           <a:p>
             <a:fld id="{91A57A16-5CDD-4A00-88A5-981EF2AE274B}" type="datetimeFigureOut">
               <a:rPr lang="pt-BR" smtClean="0"/>
-              <a:t>12/09/2018</a:t>
+              <a:t>20/09/2018</a:t>
             </a:fld>
             <a:endParaRPr lang="pt-BR"/>
           </a:p>
@@ -7872,7 +7877,21 @@
                 <a:latin typeface="Arial" panose="020B0604020202020204" pitchFamily="34" charset="0"/>
                 <a:cs typeface="Arial" panose="020B0604020202020204" pitchFamily="34" charset="0"/>
               </a:rPr>
-              <a:t>Ramon Souza – x	</a:t>
+              <a:t>Ramon Souza </a:t>
+            </a:r>
+            <a:r>
+              <a:rPr lang="pt-BR" smtClean="0">
+                <a:latin typeface="Arial" panose="020B0604020202020204" pitchFamily="34" charset="0"/>
+                <a:cs typeface="Arial" panose="020B0604020202020204" pitchFamily="34" charset="0"/>
+              </a:rPr>
+              <a:t>– </a:t>
+            </a:r>
+            <a:r>
+              <a:rPr lang="pt-BR" smtClean="0">
+                <a:latin typeface="Arial" panose="020B0604020202020204" pitchFamily="34" charset="0"/>
+                <a:cs typeface="Arial" panose="020B0604020202020204" pitchFamily="34" charset="0"/>
+              </a:rPr>
+              <a:t>52089</a:t>
             </a:r>
             <a:endParaRPr lang="pt-BR" b="1" dirty="0">
               <a:latin typeface="Arial" panose="020B0604020202020204" pitchFamily="34" charset="0"/>
